--- a/Report/Poster.pptx
+++ b/Report/Poster.pptx
@@ -197,7 +197,7 @@
           <a:p>
             <a:fld id="{FE6301C6-7EEA-E14D-A2EB-D86579570BB4}" type="datetimeFigureOut">
               <a:rPr lang="en-US" smtClean="0"/>
-              <a:t>2/2/2020</a:t>
+              <a:t>2/2/20</a:t>
             </a:fld>
             <a:endParaRPr lang="en-US"/>
           </a:p>
@@ -684,7 +684,7 @@
           <a:p>
             <a:fld id="{34B2D814-C921-4685-A108-92E7946A142E}" type="datetimeFigureOut">
               <a:rPr lang="en-US" smtClean="0"/>
-              <a:t>2/2/2020</a:t>
+              <a:t>2/2/20</a:t>
             </a:fld>
             <a:endParaRPr lang="en-US"/>
           </a:p>
@@ -854,7 +854,7 @@
           <a:p>
             <a:fld id="{34B2D814-C921-4685-A108-92E7946A142E}" type="datetimeFigureOut">
               <a:rPr lang="en-US" smtClean="0"/>
-              <a:t>2/2/2020</a:t>
+              <a:t>2/2/20</a:t>
             </a:fld>
             <a:endParaRPr lang="en-US"/>
           </a:p>
@@ -1034,7 +1034,7 @@
           <a:p>
             <a:fld id="{34B2D814-C921-4685-A108-92E7946A142E}" type="datetimeFigureOut">
               <a:rPr lang="en-US" smtClean="0"/>
-              <a:t>2/2/2020</a:t>
+              <a:t>2/2/20</a:t>
             </a:fld>
             <a:endParaRPr lang="en-US"/>
           </a:p>
@@ -1204,7 +1204,7 @@
           <a:p>
             <a:fld id="{34B2D814-C921-4685-A108-92E7946A142E}" type="datetimeFigureOut">
               <a:rPr lang="en-US" smtClean="0"/>
-              <a:t>2/2/2020</a:t>
+              <a:t>2/2/20</a:t>
             </a:fld>
             <a:endParaRPr lang="en-US"/>
           </a:p>
@@ -1448,7 +1448,7 @@
           <a:p>
             <a:fld id="{34B2D814-C921-4685-A108-92E7946A142E}" type="datetimeFigureOut">
               <a:rPr lang="en-US" smtClean="0"/>
-              <a:t>2/2/2020</a:t>
+              <a:t>2/2/20</a:t>
             </a:fld>
             <a:endParaRPr lang="en-US"/>
           </a:p>
@@ -1680,7 +1680,7 @@
           <a:p>
             <a:fld id="{34B2D814-C921-4685-A108-92E7946A142E}" type="datetimeFigureOut">
               <a:rPr lang="en-US" smtClean="0"/>
-              <a:t>2/2/2020</a:t>
+              <a:t>2/2/20</a:t>
             </a:fld>
             <a:endParaRPr lang="en-US"/>
           </a:p>
@@ -2047,7 +2047,7 @@
           <a:p>
             <a:fld id="{34B2D814-C921-4685-A108-92E7946A142E}" type="datetimeFigureOut">
               <a:rPr lang="en-US" smtClean="0"/>
-              <a:t>2/2/2020</a:t>
+              <a:t>2/2/20</a:t>
             </a:fld>
             <a:endParaRPr lang="en-US"/>
           </a:p>
@@ -2165,7 +2165,7 @@
           <a:p>
             <a:fld id="{34B2D814-C921-4685-A108-92E7946A142E}" type="datetimeFigureOut">
               <a:rPr lang="en-US" smtClean="0"/>
-              <a:t>2/2/2020</a:t>
+              <a:t>2/2/20</a:t>
             </a:fld>
             <a:endParaRPr lang="en-US"/>
           </a:p>
@@ -2260,7 +2260,7 @@
           <a:p>
             <a:fld id="{34B2D814-C921-4685-A108-92E7946A142E}" type="datetimeFigureOut">
               <a:rPr lang="en-US" smtClean="0"/>
-              <a:t>2/2/2020</a:t>
+              <a:t>2/2/20</a:t>
             </a:fld>
             <a:endParaRPr lang="en-US"/>
           </a:p>
@@ -2537,7 +2537,7 @@
           <a:p>
             <a:fld id="{34B2D814-C921-4685-A108-92E7946A142E}" type="datetimeFigureOut">
               <a:rPr lang="en-US" smtClean="0"/>
-              <a:t>2/2/2020</a:t>
+              <a:t>2/2/20</a:t>
             </a:fld>
             <a:endParaRPr lang="en-US"/>
           </a:p>
@@ -2794,7 +2794,7 @@
           <a:p>
             <a:fld id="{34B2D814-C921-4685-A108-92E7946A142E}" type="datetimeFigureOut">
               <a:rPr lang="en-US" smtClean="0"/>
-              <a:t>2/2/2020</a:t>
+              <a:t>2/2/20</a:t>
             </a:fld>
             <a:endParaRPr lang="en-US"/>
           </a:p>
@@ -3007,7 +3007,7 @@
           <a:p>
             <a:fld id="{34B2D814-C921-4685-A108-92E7946A142E}" type="datetimeFigureOut">
               <a:rPr lang="en-US" smtClean="0"/>
-              <a:t>2/2/2020</a:t>
+              <a:t>2/2/20</a:t>
             </a:fld>
             <a:endParaRPr lang="en-US"/>
           </a:p>
@@ -9215,7 +9215,7 @@
         </p:nvSpPr>
         <p:spPr>
           <a:xfrm>
-            <a:off x="706844" y="14275648"/>
+            <a:off x="706844" y="14612530"/>
             <a:ext cx="8643159" cy="4524315"/>
           </a:xfrm>
           <a:prstGeom prst="rect">
@@ -10014,7 +10014,7 @@
               <a:rPr lang="en-US" sz="2400" dirty="0">
                 <a:latin typeface="Raleway" panose="020B0503030101060003" pitchFamily="34" charset="77"/>
               </a:rPr>
-              <a:t>Critic-correction works well but might need additional information</a:t>
+              <a:t>Critic-correction can improve image quality, but might need additional information</a:t>
             </a:r>
           </a:p>
           <a:p>

--- a/Report/Poster.pptx
+++ b/Report/Poster.pptx
@@ -3506,7 +3506,7 @@
           <p:spPr>
             <a:xfrm>
               <a:off x="660401" y="8866716"/>
-              <a:ext cx="19649439" cy="10095420"/>
+              <a:ext cx="19649439" cy="10049205"/>
             </a:xfrm>
             <a:prstGeom prst="roundRect">
               <a:avLst>
@@ -3625,7 +3625,7 @@
         <p:spPr>
           <a:xfrm>
             <a:off x="15434443" y="9110077"/>
-            <a:ext cx="14478299" cy="7356579"/>
+            <a:ext cx="14478299" cy="7532810"/>
           </a:xfrm>
           <a:prstGeom prst="roundRect">
             <a:avLst>
@@ -3967,7 +3967,7 @@
             </a:xfrm>
             <a:prstGeom prst="roundRect">
               <a:avLst>
-                <a:gd name="adj" fmla="val 2292"/>
+                <a:gd name="adj" fmla="val 1380"/>
               </a:avLst>
             </a:prstGeom>
             <a:solidFill>
@@ -4015,8 +4015,8 @@
           </p:nvSpPr>
           <p:spPr>
             <a:xfrm>
-              <a:off x="660401" y="8737296"/>
-              <a:ext cx="19649439" cy="10224839"/>
+              <a:off x="660401" y="8737293"/>
+              <a:ext cx="19649439" cy="10226847"/>
             </a:xfrm>
             <a:prstGeom prst="roundRect">
               <a:avLst>
@@ -4307,7 +4307,7 @@
           </a:xfrm>
           <a:prstGeom prst="roundRect">
             <a:avLst>
-              <a:gd name="adj" fmla="val 1240"/>
+              <a:gd name="adj" fmla="val 671"/>
             </a:avLst>
           </a:prstGeom>
           <a:solidFill>
@@ -4362,7 +4362,7 @@
         <p:spPr>
           <a:xfrm>
             <a:off x="385968" y="9347866"/>
-            <a:ext cx="14478299" cy="9141887"/>
+            <a:ext cx="14478299" cy="9308339"/>
           </a:xfrm>
           <a:prstGeom prst="roundRect">
             <a:avLst>
@@ -4505,7 +4505,7 @@
           </p:nvSpPr>
           <p:spPr>
             <a:xfrm>
-              <a:off x="627667" y="8127196"/>
+              <a:off x="660401" y="8122039"/>
               <a:ext cx="19649439" cy="10850633"/>
             </a:xfrm>
             <a:prstGeom prst="roundRect">
@@ -5472,8 +5472,8 @@
         </p:nvSpPr>
         <p:spPr>
           <a:xfrm>
-            <a:off x="706844" y="36769805"/>
-            <a:ext cx="11963097" cy="3046988"/>
+            <a:off x="706844" y="37074605"/>
+            <a:ext cx="11963097" cy="2677656"/>
           </a:xfrm>
           <a:prstGeom prst="rect">
             <a:avLst/>
@@ -5492,14 +5492,6 @@
               </a:rPr>
               <a:t>Key Insights</a:t>
             </a:r>
-            <a:br>
-              <a:rPr lang="en-US" sz="2400" b="1" dirty="0">
-                <a:latin typeface="Raleway" panose="020B0503030101060003" pitchFamily="34" charset="77"/>
-              </a:rPr>
-            </a:br>
-            <a:endParaRPr lang="en-US" sz="2400" b="1" dirty="0">
-              <a:latin typeface="Raleway" panose="020B0503030101060003" pitchFamily="34" charset="77"/>
-            </a:endParaRPr>
           </a:p>
           <a:p>
             <a:pPr marL="342900" indent="-342900">
@@ -5546,7 +5538,18 @@
               <a:rPr lang="en-US" sz="2400" dirty="0">
                 <a:latin typeface="Raleway" panose="020B0503030101060003" pitchFamily="34" charset="77"/>
               </a:rPr>
-              <a:t>Predicting depth works well without depth availability at test time (in given constraints)</a:t>
+              <a:t>Predicting depth works well without depth availability at test time </a:t>
+            </a:r>
+            <a:br>
+              <a:rPr lang="en-US" sz="2400" dirty="0">
+                <a:latin typeface="Raleway" panose="020B0503030101060003" pitchFamily="34" charset="77"/>
+              </a:rPr>
+            </a:br>
+            <a:r>
+              <a:rPr lang="en-US" sz="2400" dirty="0">
+                <a:latin typeface="Raleway" panose="020B0503030101060003" pitchFamily="34" charset="77"/>
+              </a:rPr>
+              <a:t>(in given constraints)</a:t>
             </a:r>
           </a:p>
           <a:p>
@@ -5893,7 +5896,7 @@
           </p:nvSpPr>
           <p:spPr>
             <a:xfrm>
-              <a:off x="660401" y="7991921"/>
+              <a:off x="660401" y="7992805"/>
               <a:ext cx="19649439" cy="10985255"/>
             </a:xfrm>
             <a:prstGeom prst="roundRect">
@@ -6704,7 +6707,7 @@
               <a:rPr lang="en-US" sz="2000" b="1" dirty="0">
                 <a:latin typeface="Raleway" panose="020B0503030101060003" pitchFamily="34" charset="77"/>
               </a:rPr>
-              <a:t> video frames before and after critic correction. The frames become considerably sharper and more readable, but not all digits converge to the correct ground truth</a:t>
+              <a:t> video frames before and after critic- correction. The frames become considerably sharper and more readable, but not all digits converge to the correct ground truth</a:t>
             </a:r>
           </a:p>
         </p:txBody>
@@ -6723,7 +6726,7 @@
         </p:nvSpPr>
         <p:spPr>
           <a:xfrm>
-            <a:off x="7729086" y="25213568"/>
+            <a:off x="7729086" y="25088443"/>
             <a:ext cx="11140466" cy="400110"/>
           </a:xfrm>
           <a:prstGeom prst="rect">
@@ -6741,7 +6744,7 @@
               <a:rPr lang="en-US" sz="2000" b="1" dirty="0">
                 <a:latin typeface="Raleway" panose="020B0503030101060003" pitchFamily="34" charset="77"/>
               </a:rPr>
-              <a:t>Discriminator Loss</a:t>
+              <a:t>Discriminator loss</a:t>
             </a:r>
           </a:p>
         </p:txBody>
@@ -8184,7 +8187,7 @@
         </p:nvSpPr>
         <p:spPr>
           <a:xfrm>
-            <a:off x="7774103" y="29953598"/>
+            <a:off x="7774103" y="29828473"/>
             <a:ext cx="11140466" cy="400110"/>
           </a:xfrm>
           <a:prstGeom prst="rect">
@@ -9215,7 +9218,7 @@
         </p:nvSpPr>
         <p:spPr>
           <a:xfrm>
-            <a:off x="706844" y="14275648"/>
+            <a:off x="706844" y="14612534"/>
             <a:ext cx="8643159" cy="4524315"/>
           </a:xfrm>
           <a:prstGeom prst="rect">
@@ -9421,7 +9424,7 @@
               <a:rPr lang="en-US" sz="2400" dirty="0">
                 <a:latin typeface="Raleway" panose="020B0503030101060003" pitchFamily="34" charset="77"/>
               </a:rPr>
-              <a:t>Arbitrary number of input frames (28x28 px)</a:t>
+              <a:t>Arbitrary number of input frames </a:t>
             </a:r>
           </a:p>
           <a:p>
@@ -9924,7 +9927,7 @@
         </p:nvSpPr>
         <p:spPr>
           <a:xfrm>
-            <a:off x="15699398" y="36940972"/>
+            <a:off x="15699398" y="37074605"/>
             <a:ext cx="13868971" cy="2677656"/>
           </a:xfrm>
           <a:prstGeom prst="rect">
@@ -10014,7 +10017,7 @@
               <a:rPr lang="en-US" sz="2400" dirty="0">
                 <a:latin typeface="Raleway" panose="020B0503030101060003" pitchFamily="34" charset="77"/>
               </a:rPr>
-              <a:t>Critic-correction works well but might need additional information</a:t>
+              <a:t>Critic-correction can improve image quality but might need additional information</a:t>
             </a:r>
           </a:p>
           <a:p>
